--- a/Documents/Project2_Presentation.pptx
+++ b/Documents/Project2_Presentation.pptx
@@ -194,7 +194,7 @@
           <a:noFill/>
           <a:extLst>
             <a:ext uri="{909E8E84-426E-40dd-AFC4-6F175D3DCCD1}">
-              <a14:hiddenFill xmlns="" xmlns:a14="http://schemas.microsoft.com/office/drawing/2010/main">
+              <a14:hiddenFill xmlns:a14="http://schemas.microsoft.com/office/drawing/2010/main" xmlns="">
                 <a:solidFill>
                   <a:srgbClr val="FFFFFF"/>
                 </a:solidFill>
@@ -254,7 +254,7 @@
             </a:ln>
             <a:extLst>
               <a:ext uri="{91240B29-F687-4f45-9708-019B960494DF}">
-                <a14:hiddenLine xmlns="" xmlns:a14="http://schemas.microsoft.com/office/drawing/2010/main" w="9525">
+                <a14:hiddenLine xmlns:a14="http://schemas.microsoft.com/office/drawing/2010/main" xmlns="" w="9525">
                   <a:solidFill>
                     <a:srgbClr val="000000"/>
                   </a:solidFill>
@@ -344,7 +344,7 @@
             </a:ln>
             <a:extLst>
               <a:ext uri="{91240B29-F687-4f45-9708-019B960494DF}">
-                <a14:hiddenLine xmlns="" xmlns:a14="http://schemas.microsoft.com/office/drawing/2010/main" w="9525">
+                <a14:hiddenLine xmlns:a14="http://schemas.microsoft.com/office/drawing/2010/main" xmlns="" w="9525">
                   <a:solidFill>
                     <a:srgbClr val="000000"/>
                   </a:solidFill>
@@ -434,7 +434,7 @@
             </a:ln>
             <a:extLst>
               <a:ext uri="{91240B29-F687-4f45-9708-019B960494DF}">
-                <a14:hiddenLine xmlns="" xmlns:a14="http://schemas.microsoft.com/office/drawing/2010/main" w="9525">
+                <a14:hiddenLine xmlns:a14="http://schemas.microsoft.com/office/drawing/2010/main" xmlns="" w="9525">
                   <a:solidFill>
                     <a:srgbClr val="000000"/>
                   </a:solidFill>
@@ -468,7 +468,7 @@
             </a:ln>
             <a:extLst>
               <a:ext uri="{91240B29-F687-4f45-9708-019B960494DF}">
-                <a14:hiddenLine xmlns="" xmlns:a14="http://schemas.microsoft.com/office/drawing/2010/main" w="9525">
+                <a14:hiddenLine xmlns:a14="http://schemas.microsoft.com/office/drawing/2010/main" xmlns="" w="9525">
                   <a:solidFill>
                     <a:srgbClr val="000000"/>
                   </a:solidFill>
@@ -558,7 +558,7 @@
             </a:ln>
             <a:extLst>
               <a:ext uri="{91240B29-F687-4f45-9708-019B960494DF}">
-                <a14:hiddenLine xmlns="" xmlns:a14="http://schemas.microsoft.com/office/drawing/2010/main" w="9525">
+                <a14:hiddenLine xmlns:a14="http://schemas.microsoft.com/office/drawing/2010/main" xmlns="" w="9525">
                   <a:solidFill>
                     <a:srgbClr val="000000"/>
                   </a:solidFill>
@@ -620,7 +620,7 @@
             </a:ln>
             <a:extLst>
               <a:ext uri="{91240B29-F687-4f45-9708-019B960494DF}">
-                <a14:hiddenLine xmlns="" xmlns:a14="http://schemas.microsoft.com/office/drawing/2010/main" w="9525">
+                <a14:hiddenLine xmlns:a14="http://schemas.microsoft.com/office/drawing/2010/main" xmlns="" w="9525">
                   <a:solidFill>
                     <a:srgbClr val="000000"/>
                   </a:solidFill>
@@ -682,7 +682,7 @@
             </a:ln>
             <a:extLst>
               <a:ext uri="{91240B29-F687-4f45-9708-019B960494DF}">
-                <a14:hiddenLine xmlns="" xmlns:a14="http://schemas.microsoft.com/office/drawing/2010/main" w="9525">
+                <a14:hiddenLine xmlns:a14="http://schemas.microsoft.com/office/drawing/2010/main" xmlns="" w="9525">
                   <a:solidFill>
                     <a:srgbClr val="000000"/>
                   </a:solidFill>
@@ -772,7 +772,7 @@
             </a:ln>
             <a:extLst>
               <a:ext uri="{91240B29-F687-4f45-9708-019B960494DF}">
-                <a14:hiddenLine xmlns="" xmlns:a14="http://schemas.microsoft.com/office/drawing/2010/main" w="9525">
+                <a14:hiddenLine xmlns:a14="http://schemas.microsoft.com/office/drawing/2010/main" xmlns="" w="9525">
                   <a:solidFill>
                     <a:srgbClr val="000000"/>
                   </a:solidFill>
@@ -834,7 +834,7 @@
             </a:ln>
             <a:extLst>
               <a:ext uri="{91240B29-F687-4f45-9708-019B960494DF}">
-                <a14:hiddenLine xmlns="" xmlns:a14="http://schemas.microsoft.com/office/drawing/2010/main" w="9525">
+                <a14:hiddenLine xmlns:a14="http://schemas.microsoft.com/office/drawing/2010/main" xmlns="" w="9525">
                   <a:solidFill>
                     <a:srgbClr val="000000"/>
                   </a:solidFill>
@@ -896,7 +896,7 @@
             </a:ln>
             <a:extLst>
               <a:ext uri="{91240B29-F687-4f45-9708-019B960494DF}">
-                <a14:hiddenLine xmlns="" xmlns:a14="http://schemas.microsoft.com/office/drawing/2010/main" w="9525">
+                <a14:hiddenLine xmlns:a14="http://schemas.microsoft.com/office/drawing/2010/main" xmlns="" w="9525">
                   <a:solidFill>
                     <a:srgbClr val="000000"/>
                   </a:solidFill>
@@ -986,7 +986,7 @@
             </a:ln>
             <a:extLst>
               <a:ext uri="{91240B29-F687-4f45-9708-019B960494DF}">
-                <a14:hiddenLine xmlns="" xmlns:a14="http://schemas.microsoft.com/office/drawing/2010/main" w="9525">
+                <a14:hiddenLine xmlns:a14="http://schemas.microsoft.com/office/drawing/2010/main" xmlns="" w="9525">
                   <a:solidFill>
                     <a:srgbClr val="000000"/>
                   </a:solidFill>
@@ -1076,7 +1076,7 @@
             </a:ln>
             <a:extLst>
               <a:ext uri="{91240B29-F687-4f45-9708-019B960494DF}">
-                <a14:hiddenLine xmlns="" xmlns:a14="http://schemas.microsoft.com/office/drawing/2010/main" w="9525">
+                <a14:hiddenLine xmlns:a14="http://schemas.microsoft.com/office/drawing/2010/main" xmlns="" w="9525">
                   <a:solidFill>
                     <a:srgbClr val="000000"/>
                   </a:solidFill>
@@ -1138,7 +1138,7 @@
             </a:ln>
             <a:extLst>
               <a:ext uri="{91240B29-F687-4f45-9708-019B960494DF}">
-                <a14:hiddenLine xmlns="" xmlns:a14="http://schemas.microsoft.com/office/drawing/2010/main" w="9525">
+                <a14:hiddenLine xmlns:a14="http://schemas.microsoft.com/office/drawing/2010/main" xmlns="" w="9525">
                   <a:solidFill>
                     <a:srgbClr val="000000"/>
                   </a:solidFill>
@@ -1248,7 +1248,7 @@
             </a:ln>
             <a:extLst>
               <a:ext uri="{91240B29-F687-4f45-9708-019B960494DF}">
-                <a14:hiddenLine xmlns="" xmlns:a14="http://schemas.microsoft.com/office/drawing/2010/main" w="9525">
+                <a14:hiddenLine xmlns:a14="http://schemas.microsoft.com/office/drawing/2010/main" xmlns="" w="9525">
                   <a:solidFill>
                     <a:srgbClr val="000000"/>
                   </a:solidFill>
@@ -1310,7 +1310,7 @@
             </a:ln>
             <a:extLst>
               <a:ext uri="{91240B29-F687-4f45-9708-019B960494DF}">
-                <a14:hiddenLine xmlns="" xmlns:a14="http://schemas.microsoft.com/office/drawing/2010/main" w="9525">
+                <a14:hiddenLine xmlns:a14="http://schemas.microsoft.com/office/drawing/2010/main" xmlns="" w="9525">
                   <a:solidFill>
                     <a:srgbClr val="000000"/>
                   </a:solidFill>
@@ -1400,7 +1400,7 @@
             </a:ln>
             <a:extLst>
               <a:ext uri="{91240B29-F687-4f45-9708-019B960494DF}">
-                <a14:hiddenLine xmlns="" xmlns:a14="http://schemas.microsoft.com/office/drawing/2010/main" w="9525">
+                <a14:hiddenLine xmlns:a14="http://schemas.microsoft.com/office/drawing/2010/main" xmlns="" w="9525">
                   <a:solidFill>
                     <a:srgbClr val="000000"/>
                   </a:solidFill>
@@ -1490,7 +1490,7 @@
             </a:ln>
             <a:extLst>
               <a:ext uri="{91240B29-F687-4f45-9708-019B960494DF}">
-                <a14:hiddenLine xmlns="" xmlns:a14="http://schemas.microsoft.com/office/drawing/2010/main" w="9525">
+                <a14:hiddenLine xmlns:a14="http://schemas.microsoft.com/office/drawing/2010/main" xmlns="" w="9525">
                   <a:solidFill>
                     <a:srgbClr val="000000"/>
                   </a:solidFill>
@@ -1552,7 +1552,7 @@
             </a:ln>
             <a:extLst>
               <a:ext uri="{91240B29-F687-4f45-9708-019B960494DF}">
-                <a14:hiddenLine xmlns="" xmlns:a14="http://schemas.microsoft.com/office/drawing/2010/main" w="9525">
+                <a14:hiddenLine xmlns:a14="http://schemas.microsoft.com/office/drawing/2010/main" xmlns="" w="9525">
                   <a:solidFill>
                     <a:srgbClr val="000000"/>
                   </a:solidFill>
@@ -1642,7 +1642,7 @@
             </a:ln>
             <a:extLst>
               <a:ext uri="{91240B29-F687-4f45-9708-019B960494DF}">
-                <a14:hiddenLine xmlns="" xmlns:a14="http://schemas.microsoft.com/office/drawing/2010/main" w="9525">
+                <a14:hiddenLine xmlns:a14="http://schemas.microsoft.com/office/drawing/2010/main" xmlns="" w="9525">
                   <a:solidFill>
                     <a:srgbClr val="000000"/>
                   </a:solidFill>
@@ -1732,7 +1732,7 @@
             </a:ln>
             <a:extLst>
               <a:ext uri="{91240B29-F687-4f45-9708-019B960494DF}">
-                <a14:hiddenLine xmlns="" xmlns:a14="http://schemas.microsoft.com/office/drawing/2010/main" w="9525">
+                <a14:hiddenLine xmlns:a14="http://schemas.microsoft.com/office/drawing/2010/main" xmlns="" w="9525">
                   <a:solidFill>
                     <a:srgbClr val="000000"/>
                   </a:solidFill>
@@ -1788,7 +1788,7 @@
             </a:ln>
             <a:extLst>
               <a:ext uri="{91240B29-F687-4f45-9708-019B960494DF}">
-                <a14:hiddenLine xmlns="" xmlns:a14="http://schemas.microsoft.com/office/drawing/2010/main" w="9525">
+                <a14:hiddenLine xmlns:a14="http://schemas.microsoft.com/office/drawing/2010/main" xmlns="" w="9525">
                   <a:solidFill>
                     <a:srgbClr val="000000"/>
                   </a:solidFill>
@@ -1878,7 +1878,7 @@
             </a:ln>
             <a:extLst>
               <a:ext uri="{91240B29-F687-4f45-9708-019B960494DF}">
-                <a14:hiddenLine xmlns="" xmlns:a14="http://schemas.microsoft.com/office/drawing/2010/main" w="9525">
+                <a14:hiddenLine xmlns:a14="http://schemas.microsoft.com/office/drawing/2010/main" xmlns="" w="9525">
                   <a:solidFill>
                     <a:srgbClr val="000000"/>
                   </a:solidFill>
@@ -1934,7 +1934,7 @@
             </a:ln>
             <a:extLst>
               <a:ext uri="{91240B29-F687-4f45-9708-019B960494DF}">
-                <a14:hiddenLine xmlns="" xmlns:a14="http://schemas.microsoft.com/office/drawing/2010/main" w="9525">
+                <a14:hiddenLine xmlns:a14="http://schemas.microsoft.com/office/drawing/2010/main" xmlns="" w="9525">
                   <a:solidFill>
                     <a:srgbClr val="000000"/>
                   </a:solidFill>
@@ -2024,7 +2024,7 @@
             </a:ln>
             <a:extLst>
               <a:ext uri="{91240B29-F687-4f45-9708-019B960494DF}">
-                <a14:hiddenLine xmlns="" xmlns:a14="http://schemas.microsoft.com/office/drawing/2010/main" w="9525">
+                <a14:hiddenLine xmlns:a14="http://schemas.microsoft.com/office/drawing/2010/main" xmlns="" w="9525">
                   <a:solidFill>
                     <a:srgbClr val="000000"/>
                   </a:solidFill>
@@ -2092,7 +2092,7 @@
             </a:ln>
             <a:extLst>
               <a:ext uri="{91240B29-F687-4f45-9708-019B960494DF}">
-                <a14:hiddenLine xmlns="" xmlns:a14="http://schemas.microsoft.com/office/drawing/2010/main" w="9525">
+                <a14:hiddenLine xmlns:a14="http://schemas.microsoft.com/office/drawing/2010/main" xmlns="" w="9525">
                   <a:solidFill>
                     <a:srgbClr val="000000"/>
                   </a:solidFill>
@@ -2182,7 +2182,7 @@
             </a:ln>
             <a:extLst>
               <a:ext uri="{91240B29-F687-4f45-9708-019B960494DF}">
-                <a14:hiddenLine xmlns="" xmlns:a14="http://schemas.microsoft.com/office/drawing/2010/main" w="9525">
+                <a14:hiddenLine xmlns:a14="http://schemas.microsoft.com/office/drawing/2010/main" xmlns="" w="9525">
                   <a:solidFill>
                     <a:srgbClr val="000000"/>
                   </a:solidFill>
@@ -2250,7 +2250,7 @@
             </a:ln>
             <a:extLst>
               <a:ext uri="{91240B29-F687-4f45-9708-019B960494DF}">
-                <a14:hiddenLine xmlns="" xmlns:a14="http://schemas.microsoft.com/office/drawing/2010/main" w="9525">
+                <a14:hiddenLine xmlns:a14="http://schemas.microsoft.com/office/drawing/2010/main" xmlns="" w="9525">
                   <a:solidFill>
                     <a:srgbClr val="000000"/>
                   </a:solidFill>
@@ -2340,7 +2340,7 @@
             </a:ln>
             <a:extLst>
               <a:ext uri="{91240B29-F687-4f45-9708-019B960494DF}">
-                <a14:hiddenLine xmlns="" xmlns:a14="http://schemas.microsoft.com/office/drawing/2010/main" w="9525">
+                <a14:hiddenLine xmlns:a14="http://schemas.microsoft.com/office/drawing/2010/main" xmlns="" w="9525">
                   <a:solidFill>
                     <a:srgbClr val="000000"/>
                   </a:solidFill>
@@ -2374,7 +2374,7 @@
             </a:ln>
             <a:extLst>
               <a:ext uri="{91240B29-F687-4f45-9708-019B960494DF}">
-                <a14:hiddenLine xmlns="" xmlns:a14="http://schemas.microsoft.com/office/drawing/2010/main" w="9525">
+                <a14:hiddenLine xmlns:a14="http://schemas.microsoft.com/office/drawing/2010/main" xmlns="" w="9525">
                   <a:solidFill>
                     <a:srgbClr val="000000"/>
                   </a:solidFill>
@@ -2464,7 +2464,7 @@
             </a:ln>
             <a:extLst>
               <a:ext uri="{91240B29-F687-4f45-9708-019B960494DF}">
-                <a14:hiddenLine xmlns="" xmlns:a14="http://schemas.microsoft.com/office/drawing/2010/main" w="9525">
+                <a14:hiddenLine xmlns:a14="http://schemas.microsoft.com/office/drawing/2010/main" xmlns="" w="9525">
                   <a:solidFill>
                     <a:srgbClr val="000000"/>
                   </a:solidFill>
@@ -2526,7 +2526,7 @@
             </a:ln>
             <a:extLst>
               <a:ext uri="{91240B29-F687-4f45-9708-019B960494DF}">
-                <a14:hiddenLine xmlns="" xmlns:a14="http://schemas.microsoft.com/office/drawing/2010/main" w="9525">
+                <a14:hiddenLine xmlns:a14="http://schemas.microsoft.com/office/drawing/2010/main" xmlns="" w="9525">
                   <a:solidFill>
                     <a:srgbClr val="000000"/>
                   </a:solidFill>
@@ -2588,7 +2588,7 @@
             </a:ln>
             <a:extLst>
               <a:ext uri="{91240B29-F687-4f45-9708-019B960494DF}">
-                <a14:hiddenLine xmlns="" xmlns:a14="http://schemas.microsoft.com/office/drawing/2010/main" w="9525">
+                <a14:hiddenLine xmlns:a14="http://schemas.microsoft.com/office/drawing/2010/main" xmlns="" w="9525">
                   <a:solidFill>
                     <a:srgbClr val="000000"/>
                   </a:solidFill>
@@ -2678,7 +2678,7 @@
             </a:ln>
             <a:extLst>
               <a:ext uri="{91240B29-F687-4f45-9708-019B960494DF}">
-                <a14:hiddenLine xmlns="" xmlns:a14="http://schemas.microsoft.com/office/drawing/2010/main" w="9525">
+                <a14:hiddenLine xmlns:a14="http://schemas.microsoft.com/office/drawing/2010/main" xmlns="" w="9525">
                   <a:solidFill>
                     <a:srgbClr val="000000"/>
                   </a:solidFill>
@@ -2746,7 +2746,7 @@
             </a:ln>
             <a:extLst>
               <a:ext uri="{91240B29-F687-4f45-9708-019B960494DF}">
-                <a14:hiddenLine xmlns="" xmlns:a14="http://schemas.microsoft.com/office/drawing/2010/main" w="9525">
+                <a14:hiddenLine xmlns:a14="http://schemas.microsoft.com/office/drawing/2010/main" xmlns="" w="9525">
                   <a:solidFill>
                     <a:srgbClr val="000000"/>
                   </a:solidFill>
@@ -2808,7 +2808,7 @@
             </a:ln>
             <a:extLst>
               <a:ext uri="{91240B29-F687-4f45-9708-019B960494DF}">
-                <a14:hiddenLine xmlns="" xmlns:a14="http://schemas.microsoft.com/office/drawing/2010/main" w="9525">
+                <a14:hiddenLine xmlns:a14="http://schemas.microsoft.com/office/drawing/2010/main" xmlns="" w="9525">
                   <a:solidFill>
                     <a:srgbClr val="000000"/>
                   </a:solidFill>
@@ -2898,7 +2898,7 @@
             </a:ln>
             <a:extLst>
               <a:ext uri="{91240B29-F687-4f45-9708-019B960494DF}">
-                <a14:hiddenLine xmlns="" xmlns:a14="http://schemas.microsoft.com/office/drawing/2010/main" w="9525">
+                <a14:hiddenLine xmlns:a14="http://schemas.microsoft.com/office/drawing/2010/main" xmlns="" w="9525">
                   <a:solidFill>
                     <a:srgbClr val="000000"/>
                   </a:solidFill>
@@ -2960,7 +2960,7 @@
             </a:ln>
             <a:extLst>
               <a:ext uri="{91240B29-F687-4f45-9708-019B960494DF}">
-                <a14:hiddenLine xmlns="" xmlns:a14="http://schemas.microsoft.com/office/drawing/2010/main" w="9525">
+                <a14:hiddenLine xmlns:a14="http://schemas.microsoft.com/office/drawing/2010/main" xmlns="" w="9525">
                   <a:solidFill>
                     <a:srgbClr val="000000"/>
                   </a:solidFill>
@@ -3050,7 +3050,7 @@
             </a:ln>
             <a:extLst>
               <a:ext uri="{91240B29-F687-4f45-9708-019B960494DF}">
-                <a14:hiddenLine xmlns="" xmlns:a14="http://schemas.microsoft.com/office/drawing/2010/main" w="9525">
+                <a14:hiddenLine xmlns:a14="http://schemas.microsoft.com/office/drawing/2010/main" xmlns="" w="9525">
                   <a:solidFill>
                     <a:srgbClr val="000000"/>
                   </a:solidFill>
@@ -3112,7 +3112,7 @@
             </a:ln>
             <a:extLst>
               <a:ext uri="{91240B29-F687-4f45-9708-019B960494DF}">
-                <a14:hiddenLine xmlns="" xmlns:a14="http://schemas.microsoft.com/office/drawing/2010/main" w="9525">
+                <a14:hiddenLine xmlns:a14="http://schemas.microsoft.com/office/drawing/2010/main" xmlns="" w="9525">
                   <a:solidFill>
                     <a:srgbClr val="000000"/>
                   </a:solidFill>
@@ -3202,7 +3202,7 @@
             </a:ln>
             <a:extLst>
               <a:ext uri="{91240B29-F687-4f45-9708-019B960494DF}">
-                <a14:hiddenLine xmlns="" xmlns:a14="http://schemas.microsoft.com/office/drawing/2010/main" w="9525">
+                <a14:hiddenLine xmlns:a14="http://schemas.microsoft.com/office/drawing/2010/main" xmlns="" w="9525">
                   <a:solidFill>
                     <a:srgbClr val="000000"/>
                   </a:solidFill>
@@ -3236,7 +3236,7 @@
             </a:ln>
             <a:extLst>
               <a:ext uri="{91240B29-F687-4f45-9708-019B960494DF}">
-                <a14:hiddenLine xmlns="" xmlns:a14="http://schemas.microsoft.com/office/drawing/2010/main" w="9525">
+                <a14:hiddenLine xmlns:a14="http://schemas.microsoft.com/office/drawing/2010/main" xmlns="" w="9525">
                   <a:solidFill>
                     <a:srgbClr val="000000"/>
                   </a:solidFill>
@@ -3301,7 +3301,7 @@
             </a:ln>
             <a:extLst>
               <a:ext uri="{91240B29-F687-4f45-9708-019B960494DF}">
-                <a14:hiddenLine xmlns="" xmlns:a14="http://schemas.microsoft.com/office/drawing/2010/main" w="9525">
+                <a14:hiddenLine xmlns:a14="http://schemas.microsoft.com/office/drawing/2010/main" xmlns="" w="9525">
                   <a:solidFill>
                     <a:srgbClr val="000000"/>
                   </a:solidFill>
@@ -3391,7 +3391,7 @@
             </a:ln>
             <a:extLst>
               <a:ext uri="{91240B29-F687-4f45-9708-019B960494DF}">
-                <a14:hiddenLine xmlns="" xmlns:a14="http://schemas.microsoft.com/office/drawing/2010/main" w="9525">
+                <a14:hiddenLine xmlns:a14="http://schemas.microsoft.com/office/drawing/2010/main" xmlns="" w="9525">
                   <a:solidFill>
                     <a:srgbClr val="000000"/>
                   </a:solidFill>
@@ -3453,7 +3453,7 @@
             </a:ln>
             <a:extLst>
               <a:ext uri="{91240B29-F687-4f45-9708-019B960494DF}">
-                <a14:hiddenLine xmlns="" xmlns:a14="http://schemas.microsoft.com/office/drawing/2010/main" w="9525">
+                <a14:hiddenLine xmlns:a14="http://schemas.microsoft.com/office/drawing/2010/main" xmlns="" w="9525">
                   <a:solidFill>
                     <a:srgbClr val="000000"/>
                   </a:solidFill>
@@ -3543,7 +3543,7 @@
             </a:ln>
             <a:extLst>
               <a:ext uri="{91240B29-F687-4f45-9708-019B960494DF}">
-                <a14:hiddenLine xmlns="" xmlns:a14="http://schemas.microsoft.com/office/drawing/2010/main" w="9525">
+                <a14:hiddenLine xmlns:a14="http://schemas.microsoft.com/office/drawing/2010/main" xmlns="" w="9525">
                   <a:solidFill>
                     <a:srgbClr val="000000"/>
                   </a:solidFill>
@@ -3633,7 +3633,7 @@
             </a:ln>
             <a:extLst>
               <a:ext uri="{91240B29-F687-4f45-9708-019B960494DF}">
-                <a14:hiddenLine xmlns="" xmlns:a14="http://schemas.microsoft.com/office/drawing/2010/main" w="9525">
+                <a14:hiddenLine xmlns:a14="http://schemas.microsoft.com/office/drawing/2010/main" xmlns="" w="9525">
                   <a:solidFill>
                     <a:srgbClr val="000000"/>
                   </a:solidFill>
@@ -3698,7 +3698,7 @@
             </a:ln>
             <a:extLst>
               <a:ext uri="{91240B29-F687-4f45-9708-019B960494DF}">
-                <a14:hiddenLine xmlns="" xmlns:a14="http://schemas.microsoft.com/office/drawing/2010/main" w="9525">
+                <a14:hiddenLine xmlns:a14="http://schemas.microsoft.com/office/drawing/2010/main" xmlns="" w="9525">
                   <a:solidFill>
                     <a:srgbClr val="000000"/>
                   </a:solidFill>
@@ -3760,7 +3760,7 @@
             </a:ln>
             <a:extLst>
               <a:ext uri="{91240B29-F687-4f45-9708-019B960494DF}">
-                <a14:hiddenLine xmlns="" xmlns:a14="http://schemas.microsoft.com/office/drawing/2010/main" w="9525">
+                <a14:hiddenLine xmlns:a14="http://schemas.microsoft.com/office/drawing/2010/main" xmlns="" w="9525">
                   <a:solidFill>
                     <a:srgbClr val="000000"/>
                   </a:solidFill>
@@ -3850,7 +3850,7 @@
             </a:ln>
             <a:extLst>
               <a:ext uri="{91240B29-F687-4f45-9708-019B960494DF}">
-                <a14:hiddenLine xmlns="" xmlns:a14="http://schemas.microsoft.com/office/drawing/2010/main" w="9525">
+                <a14:hiddenLine xmlns:a14="http://schemas.microsoft.com/office/drawing/2010/main" xmlns="" w="9525">
                   <a:solidFill>
                     <a:srgbClr val="000000"/>
                   </a:solidFill>
@@ -3940,7 +3940,7 @@
             </a:ln>
             <a:extLst>
               <a:ext uri="{91240B29-F687-4f45-9708-019B960494DF}">
-                <a14:hiddenLine xmlns="" xmlns:a14="http://schemas.microsoft.com/office/drawing/2010/main" w="9525">
+                <a14:hiddenLine xmlns:a14="http://schemas.microsoft.com/office/drawing/2010/main" xmlns="" w="9525">
                   <a:solidFill>
                     <a:srgbClr val="000000"/>
                   </a:solidFill>
@@ -4002,7 +4002,7 @@
             </a:ln>
             <a:extLst>
               <a:ext uri="{91240B29-F687-4f45-9708-019B960494DF}">
-                <a14:hiddenLine xmlns="" xmlns:a14="http://schemas.microsoft.com/office/drawing/2010/main" w="9525">
+                <a14:hiddenLine xmlns:a14="http://schemas.microsoft.com/office/drawing/2010/main" xmlns="" w="9525">
                   <a:solidFill>
                     <a:srgbClr val="000000"/>
                   </a:solidFill>
@@ -4122,7 +4122,7 @@
             </a:ln>
             <a:extLst>
               <a:ext uri="{91240B29-F687-4f45-9708-019B960494DF}">
-                <a14:hiddenLine xmlns="" xmlns:a14="http://schemas.microsoft.com/office/drawing/2010/main" w="9525">
+                <a14:hiddenLine xmlns:a14="http://schemas.microsoft.com/office/drawing/2010/main" xmlns="" w="9525">
                   <a:solidFill>
                     <a:srgbClr val="000000"/>
                   </a:solidFill>
@@ -4190,7 +4190,7 @@
             </a:ln>
             <a:extLst>
               <a:ext uri="{91240B29-F687-4f45-9708-019B960494DF}">
-                <a14:hiddenLine xmlns="" xmlns:a14="http://schemas.microsoft.com/office/drawing/2010/main" w="9525">
+                <a14:hiddenLine xmlns:a14="http://schemas.microsoft.com/office/drawing/2010/main" xmlns="" w="9525">
                   <a:solidFill>
                     <a:srgbClr val="000000"/>
                   </a:solidFill>
@@ -4280,7 +4280,7 @@
             </a:ln>
             <a:extLst>
               <a:ext uri="{91240B29-F687-4f45-9708-019B960494DF}">
-                <a14:hiddenLine xmlns="" xmlns:a14="http://schemas.microsoft.com/office/drawing/2010/main" w="9525">
+                <a14:hiddenLine xmlns:a14="http://schemas.microsoft.com/office/drawing/2010/main" xmlns="" w="9525">
                   <a:solidFill>
                     <a:srgbClr val="000000"/>
                   </a:solidFill>
@@ -4421,7 +4421,7 @@
             <a:fld id="{F4259998-E5B1-4116-BC06-D639F5B4485E}" type="datetimeFigureOut">
               <a:rPr lang="en-US" smtClean="0"/>
               <a:pPr/>
-              <a:t>3/12/2017</a:t>
+              <a:t>3/14/2017</a:t>
             </a:fld>
             <a:endParaRPr lang="en-US"/>
           </a:p>
@@ -4690,7 +4690,7 @@
             <a:fld id="{F4259998-E5B1-4116-BC06-D639F5B4485E}" type="datetimeFigureOut">
               <a:rPr lang="en-US" smtClean="0"/>
               <a:pPr/>
-              <a:t>3/12/2017</a:t>
+              <a:t>3/14/2017</a:t>
             </a:fld>
             <a:endParaRPr lang="en-US"/>
           </a:p>
@@ -4888,7 +4888,7 @@
             <a:fld id="{F4259998-E5B1-4116-BC06-D639F5B4485E}" type="datetimeFigureOut">
               <a:rPr lang="en-US" smtClean="0"/>
               <a:pPr/>
-              <a:t>3/12/2017</a:t>
+              <a:t>3/14/2017</a:t>
             </a:fld>
             <a:endParaRPr lang="en-US"/>
           </a:p>
@@ -5153,7 +5153,7 @@
             <a:fld id="{F4259998-E5B1-4116-BC06-D639F5B4485E}" type="datetimeFigureOut">
               <a:rPr lang="en-US" smtClean="0"/>
               <a:pPr/>
-              <a:t>3/12/2017</a:t>
+              <a:t>3/14/2017</a:t>
             </a:fld>
             <a:endParaRPr lang="en-US"/>
           </a:p>
@@ -5589,7 +5589,7 @@
             <a:fld id="{F4259998-E5B1-4116-BC06-D639F5B4485E}" type="datetimeFigureOut">
               <a:rPr lang="en-US" smtClean="0"/>
               <a:pPr/>
-              <a:t>3/12/2017</a:t>
+              <a:t>3/14/2017</a:t>
             </a:fld>
             <a:endParaRPr lang="en-US"/>
           </a:p>
@@ -6137,7 +6137,7 @@
             <a:fld id="{F4259998-E5B1-4116-BC06-D639F5B4485E}" type="datetimeFigureOut">
               <a:rPr lang="en-US" smtClean="0"/>
               <a:pPr/>
-              <a:t>3/12/2017</a:t>
+              <a:t>3/14/2017</a:t>
             </a:fld>
             <a:endParaRPr lang="en-US"/>
           </a:p>
@@ -6859,7 +6859,7 @@
             <a:fld id="{F4259998-E5B1-4116-BC06-D639F5B4485E}" type="datetimeFigureOut">
               <a:rPr lang="en-US" smtClean="0"/>
               <a:pPr/>
-              <a:t>3/12/2017</a:t>
+              <a:t>3/14/2017</a:t>
             </a:fld>
             <a:endParaRPr lang="en-US"/>
           </a:p>
@@ -7035,7 +7035,7 @@
             <a:fld id="{F4259998-E5B1-4116-BC06-D639F5B4485E}" type="datetimeFigureOut">
               <a:rPr lang="en-US" smtClean="0"/>
               <a:pPr/>
-              <a:t>3/12/2017</a:t>
+              <a:t>3/14/2017</a:t>
             </a:fld>
             <a:endParaRPr lang="en-US"/>
           </a:p>
@@ -7217,7 +7217,7 @@
             <a:fld id="{F4259998-E5B1-4116-BC06-D639F5B4485E}" type="datetimeFigureOut">
               <a:rPr lang="en-US" smtClean="0"/>
               <a:pPr/>
-              <a:t>3/12/2017</a:t>
+              <a:t>3/14/2017</a:t>
             </a:fld>
             <a:endParaRPr lang="en-US"/>
           </a:p>
@@ -7404,7 +7404,7 @@
             <a:fld id="{F4259998-E5B1-4116-BC06-D639F5B4485E}" type="datetimeFigureOut">
               <a:rPr lang="en-US" smtClean="0"/>
               <a:pPr/>
-              <a:t>3/12/2017</a:t>
+              <a:t>3/14/2017</a:t>
             </a:fld>
             <a:endParaRPr lang="en-US"/>
           </a:p>
@@ -7666,7 +7666,7 @@
             <a:fld id="{F4259998-E5B1-4116-BC06-D639F5B4485E}" type="datetimeFigureOut">
               <a:rPr lang="en-US" smtClean="0"/>
               <a:pPr/>
-              <a:t>3/12/2017</a:t>
+              <a:t>3/14/2017</a:t>
             </a:fld>
             <a:endParaRPr lang="en-US"/>
           </a:p>
@@ -7900,7 +7900,7 @@
             <a:fld id="{F4259998-E5B1-4116-BC06-D639F5B4485E}" type="datetimeFigureOut">
               <a:rPr lang="en-US" smtClean="0"/>
               <a:pPr/>
-              <a:t>3/12/2017</a:t>
+              <a:t>3/14/2017</a:t>
             </a:fld>
             <a:endParaRPr lang="en-US"/>
           </a:p>
@@ -8283,7 +8283,7 @@
             <a:fld id="{F4259998-E5B1-4116-BC06-D639F5B4485E}" type="datetimeFigureOut">
               <a:rPr lang="en-US" smtClean="0"/>
               <a:pPr/>
-              <a:t>3/12/2017</a:t>
+              <a:t>3/14/2017</a:t>
             </a:fld>
             <a:endParaRPr lang="en-US"/>
           </a:p>
@@ -8403,7 +8403,7 @@
             <a:fld id="{F4259998-E5B1-4116-BC06-D639F5B4485E}" type="datetimeFigureOut">
               <a:rPr lang="en-US" smtClean="0"/>
               <a:pPr/>
-              <a:t>3/12/2017</a:t>
+              <a:t>3/14/2017</a:t>
             </a:fld>
             <a:endParaRPr lang="en-US"/>
           </a:p>
@@ -8500,7 +8500,7 @@
             <a:fld id="{F4259998-E5B1-4116-BC06-D639F5B4485E}" type="datetimeFigureOut">
               <a:rPr lang="en-US" smtClean="0"/>
               <a:pPr/>
-              <a:t>3/12/2017</a:t>
+              <a:t>3/14/2017</a:t>
             </a:fld>
             <a:endParaRPr lang="en-US"/>
           </a:p>
@@ -8751,7 +8751,7 @@
             <a:fld id="{F4259998-E5B1-4116-BC06-D639F5B4485E}" type="datetimeFigureOut">
               <a:rPr lang="en-US" smtClean="0"/>
               <a:pPr/>
-              <a:t>3/12/2017</a:t>
+              <a:t>3/14/2017</a:t>
             </a:fld>
             <a:endParaRPr lang="en-US"/>
           </a:p>
@@ -9005,7 +9005,7 @@
             <a:fld id="{F4259998-E5B1-4116-BC06-D639F5B4485E}" type="datetimeFigureOut">
               <a:rPr lang="en-US" smtClean="0"/>
               <a:pPr/>
-              <a:t>3/12/2017</a:t>
+              <a:t>3/14/2017</a:t>
             </a:fld>
             <a:endParaRPr lang="en-US"/>
           </a:p>
@@ -9129,7 +9129,7 @@
           <a:noFill/>
           <a:extLst>
             <a:ext uri="{909E8E84-426E-40dd-AFC4-6F175D3DCCD1}">
-              <a14:hiddenFill xmlns="" xmlns:a14="http://schemas.microsoft.com/office/drawing/2010/main">
+              <a14:hiddenFill xmlns:a14="http://schemas.microsoft.com/office/drawing/2010/main" xmlns="">
                 <a:solidFill>
                   <a:srgbClr val="FFFFFF"/>
                 </a:solidFill>
@@ -9203,7 +9203,7 @@
               </a:ln>
               <a:extLst>
                 <a:ext uri="{91240B29-F687-4f45-9708-019B960494DF}">
-                  <a14:hiddenLine xmlns="" xmlns:a14="http://schemas.microsoft.com/office/drawing/2010/main" w="9525">
+                  <a14:hiddenLine xmlns:a14="http://schemas.microsoft.com/office/drawing/2010/main" xmlns="" w="9525">
                     <a:solidFill>
                       <a:srgbClr val="000000"/>
                     </a:solidFill>
@@ -9293,7 +9293,7 @@
               </a:ln>
               <a:extLst>
                 <a:ext uri="{91240B29-F687-4f45-9708-019B960494DF}">
-                  <a14:hiddenLine xmlns="" xmlns:a14="http://schemas.microsoft.com/office/drawing/2010/main" w="9525">
+                  <a14:hiddenLine xmlns:a14="http://schemas.microsoft.com/office/drawing/2010/main" xmlns="" w="9525">
                     <a:solidFill>
                       <a:srgbClr val="000000"/>
                     </a:solidFill>
@@ -9383,7 +9383,7 @@
               </a:ln>
               <a:extLst>
                 <a:ext uri="{91240B29-F687-4f45-9708-019B960494DF}">
-                  <a14:hiddenLine xmlns="" xmlns:a14="http://schemas.microsoft.com/office/drawing/2010/main" w="9525">
+                  <a14:hiddenLine xmlns:a14="http://schemas.microsoft.com/office/drawing/2010/main" xmlns="" w="9525">
                     <a:solidFill>
                       <a:srgbClr val="000000"/>
                     </a:solidFill>
@@ -9445,7 +9445,7 @@
               </a:ln>
               <a:extLst>
                 <a:ext uri="{91240B29-F687-4f45-9708-019B960494DF}">
-                  <a14:hiddenLine xmlns="" xmlns:a14="http://schemas.microsoft.com/office/drawing/2010/main" w="9525">
+                  <a14:hiddenLine xmlns:a14="http://schemas.microsoft.com/office/drawing/2010/main" xmlns="" w="9525">
                     <a:solidFill>
                       <a:srgbClr val="000000"/>
                     </a:solidFill>
@@ -9535,7 +9535,7 @@
               </a:ln>
               <a:extLst>
                 <a:ext uri="{91240B29-F687-4f45-9708-019B960494DF}">
-                  <a14:hiddenLine xmlns="" xmlns:a14="http://schemas.microsoft.com/office/drawing/2010/main" w="9525">
+                  <a14:hiddenLine xmlns:a14="http://schemas.microsoft.com/office/drawing/2010/main" xmlns="" w="9525">
                     <a:solidFill>
                       <a:srgbClr val="000000"/>
                     </a:solidFill>
@@ -9597,7 +9597,7 @@
               </a:ln>
               <a:extLst>
                 <a:ext uri="{91240B29-F687-4f45-9708-019B960494DF}">
-                  <a14:hiddenLine xmlns="" xmlns:a14="http://schemas.microsoft.com/office/drawing/2010/main" w="9525">
+                  <a14:hiddenLine xmlns:a14="http://schemas.microsoft.com/office/drawing/2010/main" xmlns="" w="9525">
                     <a:solidFill>
                       <a:srgbClr val="000000"/>
                     </a:solidFill>
@@ -9659,7 +9659,7 @@
               </a:ln>
               <a:extLst>
                 <a:ext uri="{91240B29-F687-4f45-9708-019B960494DF}">
-                  <a14:hiddenLine xmlns="" xmlns:a14="http://schemas.microsoft.com/office/drawing/2010/main" w="9525">
+                  <a14:hiddenLine xmlns:a14="http://schemas.microsoft.com/office/drawing/2010/main" xmlns="" w="9525">
                     <a:solidFill>
                       <a:srgbClr val="000000"/>
                     </a:solidFill>
@@ -9749,7 +9749,7 @@
               </a:ln>
               <a:extLst>
                 <a:ext uri="{91240B29-F687-4f45-9708-019B960494DF}">
-                  <a14:hiddenLine xmlns="" xmlns:a14="http://schemas.microsoft.com/office/drawing/2010/main" w="9525">
+                  <a14:hiddenLine xmlns:a14="http://schemas.microsoft.com/office/drawing/2010/main" xmlns="" w="9525">
                     <a:solidFill>
                       <a:srgbClr val="000000"/>
                     </a:solidFill>
@@ -9839,7 +9839,7 @@
               </a:ln>
               <a:extLst>
                 <a:ext uri="{91240B29-F687-4f45-9708-019B960494DF}">
-                  <a14:hiddenLine xmlns="" xmlns:a14="http://schemas.microsoft.com/office/drawing/2010/main" w="9525">
+                  <a14:hiddenLine xmlns:a14="http://schemas.microsoft.com/office/drawing/2010/main" xmlns="" w="9525">
                     <a:solidFill>
                       <a:srgbClr val="000000"/>
                     </a:solidFill>
@@ -9901,7 +9901,7 @@
               </a:ln>
               <a:extLst>
                 <a:ext uri="{91240B29-F687-4f45-9708-019B960494DF}">
-                  <a14:hiddenLine xmlns="" xmlns:a14="http://schemas.microsoft.com/office/drawing/2010/main" w="9525">
+                  <a14:hiddenLine xmlns:a14="http://schemas.microsoft.com/office/drawing/2010/main" xmlns="" w="9525">
                     <a:solidFill>
                       <a:srgbClr val="000000"/>
                     </a:solidFill>
@@ -10011,7 +10011,7 @@
               </a:ln>
               <a:extLst>
                 <a:ext uri="{91240B29-F687-4f45-9708-019B960494DF}">
-                  <a14:hiddenLine xmlns="" xmlns:a14="http://schemas.microsoft.com/office/drawing/2010/main" w="9525">
+                  <a14:hiddenLine xmlns:a14="http://schemas.microsoft.com/office/drawing/2010/main" xmlns="" w="9525">
                     <a:solidFill>
                       <a:srgbClr val="000000"/>
                     </a:solidFill>
@@ -10095,7 +10095,7 @@
               </a:ln>
               <a:extLst>
                 <a:ext uri="{91240B29-F687-4f45-9708-019B960494DF}">
-                  <a14:hiddenLine xmlns="" xmlns:a14="http://schemas.microsoft.com/office/drawing/2010/main" w="9525">
+                  <a14:hiddenLine xmlns:a14="http://schemas.microsoft.com/office/drawing/2010/main" xmlns="" w="9525">
                     <a:solidFill>
                       <a:srgbClr val="000000"/>
                     </a:solidFill>
@@ -10157,7 +10157,7 @@
               </a:ln>
               <a:extLst>
                 <a:ext uri="{91240B29-F687-4f45-9708-019B960494DF}">
-                  <a14:hiddenLine xmlns="" xmlns:a14="http://schemas.microsoft.com/office/drawing/2010/main" w="9525">
+                  <a14:hiddenLine xmlns:a14="http://schemas.microsoft.com/office/drawing/2010/main" xmlns="" w="9525">
                     <a:solidFill>
                       <a:srgbClr val="000000"/>
                     </a:solidFill>
@@ -10219,7 +10219,7 @@
               </a:ln>
               <a:extLst>
                 <a:ext uri="{91240B29-F687-4f45-9708-019B960494DF}">
-                  <a14:hiddenLine xmlns="" xmlns:a14="http://schemas.microsoft.com/office/drawing/2010/main" w="9525">
+                  <a14:hiddenLine xmlns:a14="http://schemas.microsoft.com/office/drawing/2010/main" xmlns="" w="9525">
                     <a:solidFill>
                       <a:srgbClr val="000000"/>
                     </a:solidFill>
@@ -10309,7 +10309,7 @@
               </a:ln>
               <a:extLst>
                 <a:ext uri="{91240B29-F687-4f45-9708-019B960494DF}">
-                  <a14:hiddenLine xmlns="" xmlns:a14="http://schemas.microsoft.com/office/drawing/2010/main" w="9525">
+                  <a14:hiddenLine xmlns:a14="http://schemas.microsoft.com/office/drawing/2010/main" xmlns="" w="9525">
                     <a:solidFill>
                       <a:srgbClr val="000000"/>
                     </a:solidFill>
@@ -10343,7 +10343,7 @@
               </a:ln>
               <a:extLst>
                 <a:ext uri="{91240B29-F687-4f45-9708-019B960494DF}">
-                  <a14:hiddenLine xmlns="" xmlns:a14="http://schemas.microsoft.com/office/drawing/2010/main" w="9525">
+                  <a14:hiddenLine xmlns:a14="http://schemas.microsoft.com/office/drawing/2010/main" xmlns="" w="9525">
                     <a:solidFill>
                       <a:srgbClr val="000000"/>
                     </a:solidFill>
@@ -10408,7 +10408,7 @@
               </a:ln>
               <a:extLst>
                 <a:ext uri="{91240B29-F687-4f45-9708-019B960494DF}">
-                  <a14:hiddenLine xmlns="" xmlns:a14="http://schemas.microsoft.com/office/drawing/2010/main" w="9525">
+                  <a14:hiddenLine xmlns:a14="http://schemas.microsoft.com/office/drawing/2010/main" xmlns="" w="9525">
                     <a:solidFill>
                       <a:srgbClr val="000000"/>
                     </a:solidFill>
@@ -10498,7 +10498,7 @@
               </a:ln>
               <a:extLst>
                 <a:ext uri="{91240B29-F687-4f45-9708-019B960494DF}">
-                  <a14:hiddenLine xmlns="" xmlns:a14="http://schemas.microsoft.com/office/drawing/2010/main" w="9525">
+                  <a14:hiddenLine xmlns:a14="http://schemas.microsoft.com/office/drawing/2010/main" xmlns="" w="9525">
                     <a:solidFill>
                       <a:srgbClr val="000000"/>
                     </a:solidFill>
@@ -10560,7 +10560,7 @@
               </a:ln>
               <a:extLst>
                 <a:ext uri="{91240B29-F687-4f45-9708-019B960494DF}">
-                  <a14:hiddenLine xmlns="" xmlns:a14="http://schemas.microsoft.com/office/drawing/2010/main" w="9525">
+                  <a14:hiddenLine xmlns:a14="http://schemas.microsoft.com/office/drawing/2010/main" xmlns="" w="9525">
                     <a:solidFill>
                       <a:srgbClr val="000000"/>
                     </a:solidFill>
@@ -10650,7 +10650,7 @@
               </a:ln>
               <a:extLst>
                 <a:ext uri="{91240B29-F687-4f45-9708-019B960494DF}">
-                  <a14:hiddenLine xmlns="" xmlns:a14="http://schemas.microsoft.com/office/drawing/2010/main" w="9525">
+                  <a14:hiddenLine xmlns:a14="http://schemas.microsoft.com/office/drawing/2010/main" xmlns="" w="9525">
                     <a:solidFill>
                       <a:srgbClr val="000000"/>
                     </a:solidFill>
@@ -10715,7 +10715,7 @@
               </a:ln>
               <a:extLst>
                 <a:ext uri="{91240B29-F687-4f45-9708-019B960494DF}">
-                  <a14:hiddenLine xmlns="" xmlns:a14="http://schemas.microsoft.com/office/drawing/2010/main" w="9525">
+                  <a14:hiddenLine xmlns:a14="http://schemas.microsoft.com/office/drawing/2010/main" xmlns="" w="9525">
                     <a:solidFill>
                       <a:srgbClr val="000000"/>
                     </a:solidFill>
@@ -10777,7 +10777,7 @@
               </a:ln>
               <a:extLst>
                 <a:ext uri="{91240B29-F687-4f45-9708-019B960494DF}">
-                  <a14:hiddenLine xmlns="" xmlns:a14="http://schemas.microsoft.com/office/drawing/2010/main" w="9525">
+                  <a14:hiddenLine xmlns:a14="http://schemas.microsoft.com/office/drawing/2010/main" xmlns="" w="9525">
                     <a:solidFill>
                       <a:srgbClr val="000000"/>
                     </a:solidFill>
@@ -10867,7 +10867,7 @@
               </a:ln>
               <a:extLst>
                 <a:ext uri="{91240B29-F687-4f45-9708-019B960494DF}">
-                  <a14:hiddenLine xmlns="" xmlns:a14="http://schemas.microsoft.com/office/drawing/2010/main" w="9525">
+                  <a14:hiddenLine xmlns:a14="http://schemas.microsoft.com/office/drawing/2010/main" xmlns="" w="9525">
                     <a:solidFill>
                       <a:srgbClr val="000000"/>
                     </a:solidFill>
@@ -10957,7 +10957,7 @@
               </a:ln>
               <a:extLst>
                 <a:ext uri="{91240B29-F687-4f45-9708-019B960494DF}">
-                  <a14:hiddenLine xmlns="" xmlns:a14="http://schemas.microsoft.com/office/drawing/2010/main" w="9525">
+                  <a14:hiddenLine xmlns:a14="http://schemas.microsoft.com/office/drawing/2010/main" xmlns="" w="9525">
                     <a:solidFill>
                       <a:srgbClr val="000000"/>
                     </a:solidFill>
@@ -11022,7 +11022,7 @@
               </a:ln>
               <a:extLst>
                 <a:ext uri="{91240B29-F687-4f45-9708-019B960494DF}">
-                  <a14:hiddenLine xmlns="" xmlns:a14="http://schemas.microsoft.com/office/drawing/2010/main" w="9525">
+                  <a14:hiddenLine xmlns:a14="http://schemas.microsoft.com/office/drawing/2010/main" xmlns="" w="9525">
                     <a:solidFill>
                       <a:srgbClr val="000000"/>
                     </a:solidFill>
@@ -11142,7 +11142,7 @@
               </a:ln>
               <a:extLst>
                 <a:ext uri="{91240B29-F687-4f45-9708-019B960494DF}">
-                  <a14:hiddenLine xmlns="" xmlns:a14="http://schemas.microsoft.com/office/drawing/2010/main" w="9525">
+                  <a14:hiddenLine xmlns:a14="http://schemas.microsoft.com/office/drawing/2010/main" xmlns="" w="9525">
                     <a:solidFill>
                       <a:srgbClr val="000000"/>
                     </a:solidFill>
@@ -11240,7 +11240,7 @@
               </a:ln>
               <a:extLst>
                 <a:ext uri="{91240B29-F687-4f45-9708-019B960494DF}">
-                  <a14:hiddenLine xmlns="" xmlns:a14="http://schemas.microsoft.com/office/drawing/2010/main" w="9525">
+                  <a14:hiddenLine xmlns:a14="http://schemas.microsoft.com/office/drawing/2010/main" xmlns="" w="9525">
                     <a:solidFill>
                       <a:srgbClr val="000000"/>
                     </a:solidFill>
@@ -11355,7 +11355,7 @@
               </a:ln>
               <a:extLst>
                 <a:ext uri="{91240B29-F687-4f45-9708-019B960494DF}">
-                  <a14:hiddenLine xmlns="" xmlns:a14="http://schemas.microsoft.com/office/drawing/2010/main" w="9525">
+                  <a14:hiddenLine xmlns:a14="http://schemas.microsoft.com/office/drawing/2010/main" xmlns="" w="9525">
                     <a:solidFill>
                       <a:srgbClr val="000000"/>
                     </a:solidFill>
@@ -11445,7 +11445,7 @@
               </a:ln>
               <a:extLst>
                 <a:ext uri="{91240B29-F687-4f45-9708-019B960494DF}">
-                  <a14:hiddenLine xmlns="" xmlns:a14="http://schemas.microsoft.com/office/drawing/2010/main" w="9525">
+                  <a14:hiddenLine xmlns:a14="http://schemas.microsoft.com/office/drawing/2010/main" xmlns="" w="9525">
                     <a:solidFill>
                       <a:srgbClr val="000000"/>
                     </a:solidFill>
@@ -11510,7 +11510,7 @@
               </a:ln>
               <a:extLst>
                 <a:ext uri="{91240B29-F687-4f45-9708-019B960494DF}">
-                  <a14:hiddenLine xmlns="" xmlns:a14="http://schemas.microsoft.com/office/drawing/2010/main" w="9525">
+                  <a14:hiddenLine xmlns:a14="http://schemas.microsoft.com/office/drawing/2010/main" xmlns="" w="9525">
                     <a:solidFill>
                       <a:srgbClr val="000000"/>
                     </a:solidFill>
@@ -11600,7 +11600,7 @@
               </a:ln>
               <a:extLst>
                 <a:ext uri="{91240B29-F687-4f45-9708-019B960494DF}">
-                  <a14:hiddenLine xmlns="" xmlns:a14="http://schemas.microsoft.com/office/drawing/2010/main" w="9525">
+                  <a14:hiddenLine xmlns:a14="http://schemas.microsoft.com/office/drawing/2010/main" xmlns="" w="9525">
                     <a:solidFill>
                       <a:srgbClr val="000000"/>
                     </a:solidFill>
@@ -11668,7 +11668,7 @@
               </a:ln>
               <a:extLst>
                 <a:ext uri="{91240B29-F687-4f45-9708-019B960494DF}">
-                  <a14:hiddenLine xmlns="" xmlns:a14="http://schemas.microsoft.com/office/drawing/2010/main" w="9525">
+                  <a14:hiddenLine xmlns:a14="http://schemas.microsoft.com/office/drawing/2010/main" xmlns="" w="9525">
                     <a:solidFill>
                       <a:srgbClr val="000000"/>
                     </a:solidFill>
@@ -11758,7 +11758,7 @@
               </a:ln>
               <a:extLst>
                 <a:ext uri="{91240B29-F687-4f45-9708-019B960494DF}">
-                  <a14:hiddenLine xmlns="" xmlns:a14="http://schemas.microsoft.com/office/drawing/2010/main" w="9525">
+                  <a14:hiddenLine xmlns:a14="http://schemas.microsoft.com/office/drawing/2010/main" xmlns="" w="9525">
                     <a:solidFill>
                       <a:srgbClr val="000000"/>
                     </a:solidFill>
@@ -11826,7 +11826,7 @@
               </a:ln>
               <a:extLst>
                 <a:ext uri="{91240B29-F687-4f45-9708-019B960494DF}">
-                  <a14:hiddenLine xmlns="" xmlns:a14="http://schemas.microsoft.com/office/drawing/2010/main" w="9525">
+                  <a14:hiddenLine xmlns:a14="http://schemas.microsoft.com/office/drawing/2010/main" xmlns="" w="9525">
                     <a:solidFill>
                       <a:srgbClr val="000000"/>
                     </a:solidFill>
@@ -11916,7 +11916,7 @@
               </a:ln>
               <a:extLst>
                 <a:ext uri="{91240B29-F687-4f45-9708-019B960494DF}">
-                  <a14:hiddenLine xmlns="" xmlns:a14="http://schemas.microsoft.com/office/drawing/2010/main" w="9525">
+                  <a14:hiddenLine xmlns:a14="http://schemas.microsoft.com/office/drawing/2010/main" xmlns="" w="9525">
                     <a:solidFill>
                       <a:srgbClr val="000000"/>
                     </a:solidFill>
@@ -11950,7 +11950,7 @@
               </a:ln>
               <a:extLst>
                 <a:ext uri="{91240B29-F687-4f45-9708-019B960494DF}">
-                  <a14:hiddenLine xmlns="" xmlns:a14="http://schemas.microsoft.com/office/drawing/2010/main" w="9525">
+                  <a14:hiddenLine xmlns:a14="http://schemas.microsoft.com/office/drawing/2010/main" xmlns="" w="9525">
                     <a:solidFill>
                       <a:srgbClr val="000000"/>
                     </a:solidFill>
@@ -12091,7 +12091,7 @@
             <a:fld id="{F4259998-E5B1-4116-BC06-D639F5B4485E}" type="datetimeFigureOut">
               <a:rPr lang="en-US" smtClean="0"/>
               <a:pPr/>
-              <a:t>3/12/2017</a:t>
+              <a:t>3/14/2017</a:t>
             </a:fld>
             <a:endParaRPr lang="en-US"/>
           </a:p>
@@ -12820,12 +12820,6 @@
           <a:p>
             <a:r>
               <a:rPr lang="en-US" b="1" dirty="0"/>
-              <a:t>Reading academic articles.</a:t>
-            </a:r>
-          </a:p>
-          <a:p>
-            <a:r>
-              <a:rPr lang="en-US" b="1" dirty="0"/>
               <a:t>Struggling with OpenCV Building and Version problems using “extra” modules.</a:t>
             </a:r>
           </a:p>
